--- a/Spotify Mood.pptx
+++ b/Spotify Mood.pptx
@@ -383,7 +383,7 @@
           <a:p>
             <a:fld id="{9184DA70-C731-4C70-880D-CCD4705E623C}" type="datetime1">
               <a:rPr lang="en-US" smtClean="0"/>
-              <a:t>3/1/2020</a:t>
+              <a:t>3/4/2020</a:t>
             </a:fld>
             <a:endParaRPr lang="en-US" dirty="0"/>
           </a:p>
@@ -571,7 +571,7 @@
           <a:p>
             <a:fld id="{B612A279-0833-481D-8C56-F67FD0AC6C50}" type="datetime1">
               <a:rPr lang="en-US" smtClean="0"/>
-              <a:t>3/1/2020</a:t>
+              <a:t>3/4/2020</a:t>
             </a:fld>
             <a:endParaRPr lang="en-US" dirty="0"/>
           </a:p>
@@ -813,7 +813,7 @@
           <a:p>
             <a:fld id="{6587DA83-5663-4C9C-B9AA-0B40A3DAFF81}" type="datetime1">
               <a:rPr lang="en-US" smtClean="0"/>
-              <a:t>3/1/2020</a:t>
+              <a:t>3/4/2020</a:t>
             </a:fld>
             <a:endParaRPr lang="en-US" dirty="0"/>
           </a:p>
@@ -1001,7 +1001,7 @@
           <a:p>
             <a:fld id="{4BE1D723-8F53-4F53-90B0-1982A396982E}" type="datetime1">
               <a:rPr lang="en-US" smtClean="0"/>
-              <a:t>3/1/2020</a:t>
+              <a:t>3/4/2020</a:t>
             </a:fld>
             <a:endParaRPr lang="en-US" dirty="0"/>
           </a:p>
@@ -1374,7 +1374,7 @@
           <a:p>
             <a:fld id="{97669AF7-7BEB-44E4-9852-375E34362B5B}" type="datetime1">
               <a:rPr lang="en-US" smtClean="0"/>
-              <a:t>3/1/2020</a:t>
+              <a:t>3/4/2020</a:t>
             </a:fld>
             <a:endParaRPr lang="en-US" dirty="0"/>
           </a:p>
@@ -1629,7 +1629,7 @@
           <a:p>
             <a:fld id="{BAAAC38D-0552-4C82-B593-E6124DFADBE2}" type="datetime1">
               <a:rPr lang="en-US" smtClean="0"/>
-              <a:t>3/1/2020</a:t>
+              <a:t>3/4/2020</a:t>
             </a:fld>
             <a:endParaRPr lang="en-US" dirty="0"/>
           </a:p>
@@ -2026,7 +2026,7 @@
           <a:p>
             <a:fld id="{D9DF0F1C-5577-4ACB-BB62-DF8F3C494C7E}" type="datetime1">
               <a:rPr lang="en-US" smtClean="0"/>
-              <a:t>3/1/2020</a:t>
+              <a:t>3/4/2020</a:t>
             </a:fld>
             <a:endParaRPr lang="en-US" dirty="0"/>
           </a:p>
@@ -2162,7 +2162,7 @@
           <a:p>
             <a:fld id="{1775B394-D9F9-4F0C-B15D-605F45CB9E9F}" type="datetime1">
               <a:rPr lang="en-US" smtClean="0"/>
-              <a:t>3/1/2020</a:t>
+              <a:t>3/4/2020</a:t>
             </a:fld>
             <a:endParaRPr lang="en-US" dirty="0"/>
           </a:p>
@@ -2319,7 +2319,7 @@
           <a:p>
             <a:fld id="{39667345-2558-425A-8533-9BFDBCE15005}" type="datetime1">
               <a:rPr lang="en-US" smtClean="0"/>
-              <a:t>3/1/2020</a:t>
+              <a:t>3/4/2020</a:t>
             </a:fld>
             <a:endParaRPr lang="en-US" dirty="0"/>
           </a:p>
@@ -2648,7 +2648,7 @@
           <a:p>
             <a:fld id="{92BEA474-078D-4E9B-9B14-09A87B19DC46}" type="datetime1">
               <a:rPr lang="en-US" smtClean="0"/>
-              <a:t>3/1/2020</a:t>
+              <a:t>3/4/2020</a:t>
             </a:fld>
             <a:endParaRPr lang="en-US" dirty="0"/>
           </a:p>
@@ -2998,7 +2998,7 @@
           <a:p>
             <a:fld id="{4907D986-8816-4272-A432-0437A28A9828}" type="datetime1">
               <a:rPr lang="en-US" smtClean="0"/>
-              <a:t>3/1/2020</a:t>
+              <a:t>3/4/2020</a:t>
             </a:fld>
             <a:endParaRPr lang="en-US" dirty="0"/>
           </a:p>
@@ -3259,7 +3259,7 @@
           <a:p>
             <a:fld id="{62D6E202-B606-4609-B914-27C9371A1F6D}" type="datetime1">
               <a:rPr lang="en-US" smtClean="0"/>
-              <a:t>3/1/2020</a:t>
+              <a:t>3/4/2020</a:t>
             </a:fld>
             <a:endParaRPr lang="en-US" dirty="0"/>
           </a:p>
@@ -7644,7 +7644,7 @@
           <a:p>
             <a:r>
               <a:rPr lang="en-US" dirty="0"/>
-              <a:t>25 False positives   </a:t>
+              <a:t>23 False positives   </a:t>
             </a:r>
           </a:p>
           <a:p>
@@ -7660,10 +7660,10 @@
       </p:sp>
       <p:pic>
         <p:nvPicPr>
-          <p:cNvPr id="11" name="Picture 10">
-            <a:extLst>
-              <a:ext uri="{FF2B5EF4-FFF2-40B4-BE49-F238E27FC236}">
-                <a16:creationId xmlns:a16="http://schemas.microsoft.com/office/drawing/2014/main" id="{0207BE57-641E-43EE-B3AD-3003086D4269}"/>
+          <p:cNvPr id="4" name="Picture 3">
+            <a:extLst>
+              <a:ext uri="{FF2B5EF4-FFF2-40B4-BE49-F238E27FC236}">
+                <a16:creationId xmlns:a16="http://schemas.microsoft.com/office/drawing/2014/main" id="{28DE8162-D6C7-4052-B536-D629C14A5CF3}"/>
               </a:ext>
             </a:extLst>
           </p:cNvPr>
@@ -7673,21 +7673,15 @@
           <p:nvPr/>
         </p:nvPicPr>
         <p:blipFill>
-          <a:blip r:embed="rId2">
-            <a:extLst>
-              <a:ext uri="{28A0092B-C50C-407E-A947-70E740481C1C}">
-                <a14:useLocalDpi xmlns:a14="http://schemas.microsoft.com/office/drawing/2010/main" val="0"/>
-              </a:ext>
-            </a:extLst>
-          </a:blip>
+          <a:blip r:embed="rId2"/>
           <a:stretch>
             <a:fillRect/>
           </a:stretch>
         </p:blipFill>
         <p:spPr>
           <a:xfrm>
-            <a:off x="538056" y="2063389"/>
-            <a:ext cx="5086242" cy="4295393"/>
+            <a:off x="707455" y="2018396"/>
+            <a:ext cx="5164892" cy="4330645"/>
           </a:xfrm>
           <a:prstGeom prst="rect">
             <a:avLst/>
@@ -7789,10 +7783,10 @@
       </p:sp>
       <p:pic>
         <p:nvPicPr>
-          <p:cNvPr id="9" name="Picture 8">
-            <a:extLst>
-              <a:ext uri="{FF2B5EF4-FFF2-40B4-BE49-F238E27FC236}">
-                <a16:creationId xmlns:a16="http://schemas.microsoft.com/office/drawing/2014/main" id="{4CE800F0-FCB1-420B-B4A6-A0FBD660B769}"/>
+          <p:cNvPr id="3" name="Picture 2">
+            <a:extLst>
+              <a:ext uri="{FF2B5EF4-FFF2-40B4-BE49-F238E27FC236}">
+                <a16:creationId xmlns:a16="http://schemas.microsoft.com/office/drawing/2014/main" id="{4CD9356F-4D26-4EE2-BC82-A808FB37FDA4}"/>
               </a:ext>
             </a:extLst>
           </p:cNvPr>
@@ -7809,8 +7803,8 @@
         </p:blipFill>
         <p:spPr>
           <a:xfrm>
-            <a:off x="935355" y="2168914"/>
-            <a:ext cx="10382250" cy="3762375"/>
+            <a:off x="990600" y="2123895"/>
+            <a:ext cx="10210800" cy="3771900"/>
           </a:xfrm>
           <a:prstGeom prst="rect">
             <a:avLst/>
